--- a/files/2024 Intermed Stream Road Map.pptx
+++ b/files/2024 Intermed Stream Road Map.pptx
@@ -341,7 +341,7 @@
           <a:p>
             <a:fld id="{2C20C240-4FBC-8E41-A7AE-9BB5400B142A}" type="datetimeFigureOut">
               <a:rPr lang="en-US" smtClean="0"/>
-              <a:t>1/23/24</a:t>
+              <a:t>1/24/2024</a:t>
             </a:fld>
             <a:endParaRPr lang="en-US"/>
           </a:p>
@@ -675,7 +675,7 @@
           <a:p>
             <a:fld id="{2C20C240-4FBC-8E41-A7AE-9BB5400B142A}" type="datetimeFigureOut">
               <a:rPr lang="en-US" smtClean="0"/>
-              <a:t>1/23/24</a:t>
+              <a:t>1/24/2024</a:t>
             </a:fld>
             <a:endParaRPr lang="en-US"/>
           </a:p>
@@ -953,7 +953,7 @@
           <a:p>
             <a:fld id="{2C20C240-4FBC-8E41-A7AE-9BB5400B142A}" type="datetimeFigureOut">
               <a:rPr lang="en-US" smtClean="0"/>
-              <a:t>1/23/24</a:t>
+              <a:t>1/24/2024</a:t>
             </a:fld>
             <a:endParaRPr lang="en-US"/>
           </a:p>
@@ -1521,7 +1521,7 @@
           <a:p>
             <a:fld id="{2C20C240-4FBC-8E41-A7AE-9BB5400B142A}" type="datetimeFigureOut">
               <a:rPr lang="en-US" smtClean="0"/>
-              <a:t>1/23/24</a:t>
+              <a:t>1/24/2024</a:t>
             </a:fld>
             <a:endParaRPr lang="en-US"/>
           </a:p>
@@ -1799,7 +1799,7 @@
           <a:p>
             <a:fld id="{2C20C240-4FBC-8E41-A7AE-9BB5400B142A}" type="datetimeFigureOut">
               <a:rPr lang="en-US" smtClean="0"/>
-              <a:t>1/23/24</a:t>
+              <a:t>1/24/2024</a:t>
             </a:fld>
             <a:endParaRPr lang="en-US"/>
           </a:p>
@@ -2361,7 +2361,7 @@
           <a:p>
             <a:fld id="{2C20C240-4FBC-8E41-A7AE-9BB5400B142A}" type="datetimeFigureOut">
               <a:rPr lang="en-US" smtClean="0"/>
-              <a:t>1/23/24</a:t>
+              <a:t>1/24/2024</a:t>
             </a:fld>
             <a:endParaRPr lang="en-US"/>
           </a:p>
@@ -2688,7 +2688,7 @@
           <a:p>
             <a:fld id="{2C20C240-4FBC-8E41-A7AE-9BB5400B142A}" type="datetimeFigureOut">
               <a:rPr lang="en-US" smtClean="0"/>
-              <a:t>1/23/24</a:t>
+              <a:t>1/24/2024</a:t>
             </a:fld>
             <a:endParaRPr lang="en-US"/>
           </a:p>
@@ -2865,7 +2865,7 @@
           <a:p>
             <a:fld id="{2C20C240-4FBC-8E41-A7AE-9BB5400B142A}" type="datetimeFigureOut">
               <a:rPr lang="en-US" smtClean="0"/>
-              <a:t>1/23/24</a:t>
+              <a:t>1/24/2024</a:t>
             </a:fld>
             <a:endParaRPr lang="en-US"/>
           </a:p>
@@ -3103,7 +3103,7 @@
           <a:p>
             <a:fld id="{2C20C240-4FBC-8E41-A7AE-9BB5400B142A}" type="datetimeFigureOut">
               <a:rPr lang="en-US" smtClean="0"/>
-              <a:t>1/23/24</a:t>
+              <a:t>1/24/2024</a:t>
             </a:fld>
             <a:endParaRPr lang="en-US"/>
           </a:p>
@@ -3303,7 +3303,7 @@
           <a:p>
             <a:fld id="{2C20C240-4FBC-8E41-A7AE-9BB5400B142A}" type="datetimeFigureOut">
               <a:rPr lang="en-US" smtClean="0"/>
-              <a:t>1/23/24</a:t>
+              <a:t>1/24/2024</a:t>
             </a:fld>
             <a:endParaRPr lang="en-US"/>
           </a:p>
@@ -3579,7 +3579,7 @@
           <a:p>
             <a:fld id="{2C20C240-4FBC-8E41-A7AE-9BB5400B142A}" type="datetimeFigureOut">
               <a:rPr lang="en-US" smtClean="0"/>
-              <a:t>1/23/24</a:t>
+              <a:t>1/24/2024</a:t>
             </a:fld>
             <a:endParaRPr lang="en-US"/>
           </a:p>
@@ -3845,7 +3845,7 @@
           <a:p>
             <a:fld id="{2C20C240-4FBC-8E41-A7AE-9BB5400B142A}" type="datetimeFigureOut">
               <a:rPr lang="en-US" smtClean="0"/>
-              <a:t>1/23/24</a:t>
+              <a:t>1/24/2024</a:t>
             </a:fld>
             <a:endParaRPr lang="en-US"/>
           </a:p>
@@ -4219,7 +4219,7 @@
           <a:p>
             <a:fld id="{2C20C240-4FBC-8E41-A7AE-9BB5400B142A}" type="datetimeFigureOut">
               <a:rPr lang="en-US" smtClean="0"/>
-              <a:t>1/23/24</a:t>
+              <a:t>1/24/2024</a:t>
             </a:fld>
             <a:endParaRPr lang="en-US"/>
           </a:p>
@@ -4367,7 +4367,7 @@
           <a:p>
             <a:fld id="{2C20C240-4FBC-8E41-A7AE-9BB5400B142A}" type="datetimeFigureOut">
               <a:rPr lang="en-US" smtClean="0"/>
-              <a:t>1/23/24</a:t>
+              <a:t>1/24/2024</a:t>
             </a:fld>
             <a:endParaRPr lang="en-US"/>
           </a:p>
@@ -4492,7 +4492,7 @@
           <a:p>
             <a:fld id="{2C20C240-4FBC-8E41-A7AE-9BB5400B142A}" type="datetimeFigureOut">
               <a:rPr lang="en-US" smtClean="0"/>
-              <a:t>1/23/24</a:t>
+              <a:t>1/24/2024</a:t>
             </a:fld>
             <a:endParaRPr lang="en-US"/>
           </a:p>
@@ -4777,7 +4777,7 @@
           <a:p>
             <a:fld id="{2C20C240-4FBC-8E41-A7AE-9BB5400B142A}" type="datetimeFigureOut">
               <a:rPr lang="en-US" smtClean="0"/>
-              <a:t>1/23/24</a:t>
+              <a:t>1/24/2024</a:t>
             </a:fld>
             <a:endParaRPr lang="en-US"/>
           </a:p>
@@ -5101,7 +5101,7 @@
           <a:p>
             <a:fld id="{2C20C240-4FBC-8E41-A7AE-9BB5400B142A}" type="datetimeFigureOut">
               <a:rPr lang="en-US" smtClean="0"/>
-              <a:t>1/23/24</a:t>
+              <a:t>1/24/2024</a:t>
             </a:fld>
             <a:endParaRPr lang="en-US"/>
           </a:p>
@@ -5315,7 +5315,7 @@
           <a:p>
             <a:fld id="{2C20C240-4FBC-8E41-A7AE-9BB5400B142A}" type="datetimeFigureOut">
               <a:rPr lang="en-US" smtClean="0"/>
-              <a:t>1/23/24</a:t>
+              <a:t>1/24/2024</a:t>
             </a:fld>
             <a:endParaRPr lang="en-US"/>
           </a:p>
@@ -5843,14 +5843,14 @@
           <p:nvPr>
             <p:extLst>
               <p:ext uri="{D42A27DB-BD31-4B8C-83A1-F6EECF244321}">
-                <p14:modId xmlns:p14="http://schemas.microsoft.com/office/powerpoint/2010/main" val="2081421453"/>
+                <p14:modId xmlns:p14="http://schemas.microsoft.com/office/powerpoint/2010/main" val="87698106"/>
               </p:ext>
             </p:extLst>
           </p:nvPr>
         </p:nvGraphicFramePr>
         <p:xfrm>
           <a:off x="315130" y="1048383"/>
-          <a:ext cx="11561740" cy="5185365"/>
+          <a:ext cx="11561740" cy="5231188"/>
         </p:xfrm>
         <a:graphic>
           <a:graphicData uri="http://schemas.openxmlformats.org/drawingml/2006/table">
@@ -6119,12 +6119,12 @@
                     <a:p>
                       <a:pPr algn="ctr"/>
                       <a:r>
-                        <a:rPr lang="en-US" sz="1000" b="1">
-                          <a:effectLst/>
-                        </a:rPr>
-                        <a:t>1: Where does data come from?</a:t>
-                      </a:r>
-                      <a:endParaRPr lang="en-US" sz="1000">
+                        <a:rPr lang="en-US" sz="1000" b="1" dirty="0">
+                          <a:effectLst/>
+                        </a:rPr>
+                        <a:t>1: Code</a:t>
+                      </a:r>
+                      <a:endParaRPr lang="en-US" sz="1000" dirty="0">
                         <a:effectLst/>
                       </a:endParaRPr>
                     </a:p>
@@ -6138,12 +6138,12 @@
                     <a:p>
                       <a:pPr algn="ctr"/>
                       <a:r>
-                        <a:rPr lang="en-US" sz="1000" b="1">
-                          <a:effectLst/>
-                        </a:rPr>
-                        <a:t>2: Subjectivity of numbers</a:t>
-                      </a:r>
-                      <a:endParaRPr lang="en-US" sz="1000">
+                        <a:rPr lang="en-US" sz="1000" b="1" dirty="0">
+                          <a:effectLst/>
+                        </a:rPr>
+                        <a:t>2: Linearity</a:t>
+                      </a:r>
+                      <a:endParaRPr lang="en-US" sz="1000" dirty="0">
                         <a:effectLst/>
                       </a:endParaRPr>
                     </a:p>
@@ -6157,12 +6157,12 @@
                     <a:p>
                       <a:pPr algn="ctr"/>
                       <a:r>
-                        <a:rPr lang="en-US" sz="1000" b="1">
-                          <a:effectLst/>
-                        </a:rPr>
-                        <a:t>3: Structure and patterns</a:t>
-                      </a:r>
-                      <a:endParaRPr lang="en-US" sz="1000">
+                        <a:rPr lang="en-US" sz="1000" b="1" dirty="0">
+                          <a:effectLst/>
+                        </a:rPr>
+                        <a:t>3: Categories</a:t>
+                      </a:r>
+                      <a:endParaRPr lang="en-US" sz="1000" dirty="0">
                         <a:effectLst/>
                       </a:endParaRPr>
                     </a:p>
@@ -6176,24 +6176,12 @@
                     <a:p>
                       <a:pPr algn="ctr"/>
                       <a:r>
-                        <a:rPr lang="en-US" sz="1000" b="1">
-                          <a:effectLst/>
-                        </a:rPr>
-                        <a:t>4: </a:t>
-                      </a:r>
-                      <a:r>
-                        <a:rPr lang="en-US" sz="1000" b="1" err="1">
-                          <a:effectLst/>
-                        </a:rPr>
-                        <a:t>Visualisation</a:t>
-                      </a:r>
-                      <a:r>
-                        <a:rPr lang="en-US" sz="1000" b="1">
-                          <a:effectLst/>
-                        </a:rPr>
-                        <a:t> and patterns</a:t>
-                      </a:r>
-                      <a:endParaRPr lang="en-US" sz="1000">
+                        <a:rPr lang="en-US" sz="1000" b="1" dirty="0">
+                          <a:effectLst/>
+                        </a:rPr>
+                        <a:t>4: Interactions</a:t>
+                      </a:r>
+                      <a:endParaRPr lang="en-US" sz="1000" dirty="0">
                         <a:effectLst/>
                       </a:endParaRPr>
                     </a:p>
@@ -6207,12 +6195,12 @@
                     <a:p>
                       <a:pPr algn="ctr"/>
                       <a:r>
-                        <a:rPr lang="en-US" sz="1000" b="1">
-                          <a:effectLst/>
-                        </a:rPr>
-                        <a:t>5: Abstraction and lines</a:t>
-                      </a:r>
-                      <a:endParaRPr lang="en-US" sz="1000">
+                        <a:rPr lang="en-US" sz="1000" b="1" dirty="0">
+                          <a:effectLst/>
+                        </a:rPr>
+                        <a:t>5: Colliders</a:t>
+                      </a:r>
+                      <a:endParaRPr lang="en-US" sz="1000" dirty="0">
                         <a:effectLst/>
                       </a:endParaRPr>
                     </a:p>
@@ -6226,12 +6214,12 @@
                     <a:p>
                       <a:pPr algn="ctr"/>
                       <a:r>
-                        <a:rPr lang="en-US" sz="1000" b="1">
-                          <a:effectLst/>
-                        </a:rPr>
-                        <a:t>6: Hidden lines</a:t>
-                      </a:r>
-                      <a:endParaRPr lang="en-US" sz="1000">
+                        <a:rPr lang="en-US" sz="1000" b="1" dirty="0">
+                          <a:effectLst/>
+                        </a:rPr>
+                        <a:t>6: Hierarchies</a:t>
+                      </a:r>
+                      <a:endParaRPr lang="en-US" sz="1000" dirty="0">
                         <a:effectLst/>
                       </a:endParaRPr>
                     </a:p>
@@ -6245,12 +6233,12 @@
                     <a:p>
                       <a:pPr algn="ctr"/>
                       <a:r>
-                        <a:rPr lang="en-US" sz="1000" b="1">
-                          <a:effectLst/>
-                        </a:rPr>
-                        <a:t>7: Pitfalls</a:t>
-                      </a:r>
-                      <a:endParaRPr lang="en-US" sz="1000">
+                        <a:rPr lang="en-US" sz="1000" b="1" dirty="0">
+                          <a:effectLst/>
+                        </a:rPr>
+                        <a:t>7: Temporalities</a:t>
+                      </a:r>
+                      <a:endParaRPr lang="en-US" sz="1000" dirty="0">
                         <a:effectLst/>
                       </a:endParaRPr>
                     </a:p>
@@ -6264,12 +6252,12 @@
                     <a:p>
                       <a:pPr algn="ctr"/>
                       <a:r>
-                        <a:rPr lang="en-US" sz="1000" b="1">
-                          <a:effectLst/>
-                        </a:rPr>
-                        <a:t>8: Reporting data</a:t>
-                      </a:r>
-                      <a:endParaRPr lang="en-US" sz="1000">
+                        <a:rPr lang="en-US" sz="1000" b="1" dirty="0">
+                          <a:effectLst/>
+                        </a:rPr>
+                        <a:t>8: Study design</a:t>
+                      </a:r>
+                      <a:endParaRPr lang="en-US" sz="1000" dirty="0">
                         <a:effectLst/>
                       </a:endParaRPr>
                     </a:p>
@@ -6301,41 +6289,41 @@
                     <a:lstStyle/>
                     <a:p>
                       <a:r>
-                        <a:rPr lang="en-US" sz="1200">
-                          <a:effectLst/>
-                        </a:rPr>
-                        <a:t>Joint lectures:</a:t>
+                        <a:rPr lang="en-US" sz="1200" dirty="0">
+                          <a:effectLst/>
+                        </a:rPr>
+                        <a:t>Joint lectures (both streams):</a:t>
                       </a:r>
                       <a:br>
-                        <a:rPr lang="en-US" sz="1200">
+                        <a:rPr lang="en-US" sz="1200" dirty="0">
                           <a:effectLst/>
                         </a:rPr>
                       </a:br>
                       <a:r>
-                        <a:rPr lang="en-US" sz="1200">
+                        <a:rPr lang="en-US" sz="1200" dirty="0">
                           <a:effectLst/>
                         </a:rPr>
                         <a:t>(</a:t>
                       </a:r>
                       <a:r>
-                        <a:rPr lang="en-US" sz="1200" b="1">
+                        <a:rPr lang="en-US" sz="1200" b="1" dirty="0">
                           <a:effectLst/>
                         </a:rPr>
                         <a:t>in-person</a:t>
                       </a:r>
                       <a:r>
-                        <a:rPr lang="en-US" sz="1200">
+                        <a:rPr lang="en-US" sz="1200" dirty="0">
                           <a:effectLst/>
                         </a:rPr>
                         <a:t>)</a:t>
                       </a:r>
                       <a:br>
-                        <a:rPr lang="en-US" sz="1200">
+                        <a:rPr lang="en-US" sz="1200" dirty="0">
                           <a:effectLst/>
                         </a:rPr>
                       </a:br>
                       <a:r>
-                        <a:rPr lang="en-US" sz="1200">
+                        <a:rPr lang="en-US" sz="1200" dirty="0">
                           <a:effectLst/>
                         </a:rPr>
                         <a:t>HDB 6.16</a:t>
@@ -6383,7 +6371,7 @@
                     <a:bodyPr/>
                     <a:lstStyle/>
                     <a:p>
-                      <a:endParaRPr lang="en-US" sz="1100">
+                      <a:endParaRPr lang="en-US" sz="1100" dirty="0">
                         <a:effectLst/>
                       </a:endParaRPr>
                     </a:p>
@@ -6509,30 +6497,30 @@
                     <a:lstStyle/>
                     <a:p>
                       <a:r>
-                        <a:rPr lang="en-US" sz="1200">
+                        <a:rPr lang="en-US" sz="1200" dirty="0">
                           <a:effectLst/>
                         </a:rPr>
                         <a:t>Lecture:</a:t>
                       </a:r>
                       <a:br>
-                        <a:rPr lang="en-US" sz="1200">
+                        <a:rPr lang="en-US" sz="1200" dirty="0">
                           <a:effectLst/>
                         </a:rPr>
                       </a:br>
                       <a:r>
-                        <a:rPr lang="en-US" sz="1200">
+                        <a:rPr lang="en-US" sz="1200" dirty="0">
                           <a:effectLst/>
                         </a:rPr>
                         <a:t>(</a:t>
                       </a:r>
                       <a:r>
-                        <a:rPr lang="en-US" sz="1200" b="1">
+                        <a:rPr lang="en-US" sz="1200" b="1" dirty="0">
                           <a:effectLst/>
                         </a:rPr>
                         <a:t>in-person</a:t>
                       </a:r>
                       <a:r>
-                        <a:rPr lang="en-US" sz="1200">
+                        <a:rPr lang="en-US" sz="1200" dirty="0">
                           <a:effectLst/>
                         </a:rPr>
                         <a:t>)</a:t>
@@ -6540,7 +6528,7 @@
                     </a:p>
                     <a:p>
                       <a:r>
-                        <a:rPr lang="en-US" sz="1200">
+                        <a:rPr lang="en-US" sz="1200" dirty="0">
                           <a:effectLst/>
                         </a:rPr>
                         <a:t>HDB 6.19</a:t>
@@ -6555,18 +6543,18 @@
                     <a:lstStyle/>
                     <a:p>
                       <a:r>
-                        <a:rPr lang="en-US" sz="1100">
+                        <a:rPr lang="en-US" sz="1100" dirty="0">
                           <a:effectLst/>
                         </a:rPr>
                         <a:t>Tues 30 Jan</a:t>
                       </a:r>
                       <a:br>
-                        <a:rPr lang="en-US" sz="1100">
+                        <a:rPr lang="en-US" sz="1100" dirty="0">
                           <a:effectLst/>
                         </a:rPr>
                       </a:br>
                       <a:r>
-                        <a:rPr lang="en-US" sz="1100">
+                        <a:rPr lang="en-US" sz="1100" dirty="0">
                           <a:effectLst/>
                         </a:rPr>
                         <a:t>10:00-11:30</a:t>
@@ -6598,18 +6586,18 @@
                         <a:defRPr/>
                       </a:pPr>
                       <a:r>
-                        <a:rPr lang="en-US" sz="1100">
+                        <a:rPr lang="en-US" sz="1100" dirty="0">
                           <a:effectLst/>
                         </a:rPr>
                         <a:t>Tues 6 Feb</a:t>
                       </a:r>
                       <a:br>
-                        <a:rPr lang="en-US" sz="1100">
+                        <a:rPr lang="en-US" sz="1100" dirty="0">
                           <a:effectLst/>
                         </a:rPr>
                       </a:br>
                       <a:r>
-                        <a:rPr lang="en-US" sz="1100">
+                        <a:rPr lang="en-US" sz="1100" dirty="0">
                           <a:effectLst/>
                         </a:rPr>
                         <a:t>10:00-11:30</a:t>
@@ -6624,18 +6612,18 @@
                     <a:lstStyle/>
                     <a:p>
                       <a:r>
-                        <a:rPr lang="en-US" sz="1100">
+                        <a:rPr lang="en-US" sz="1100" dirty="0">
                           <a:effectLst/>
                         </a:rPr>
                         <a:t>Tues 13 Feb</a:t>
                       </a:r>
                       <a:br>
-                        <a:rPr lang="en-US" sz="1100">
+                        <a:rPr lang="en-US" sz="1100" dirty="0">
                           <a:effectLst/>
                         </a:rPr>
                       </a:br>
                       <a:r>
-                        <a:rPr lang="en-US" sz="1100">
+                        <a:rPr lang="en-US" sz="1100" dirty="0">
                           <a:effectLst/>
                         </a:rPr>
                         <a:t>10:00-11:30</a:t>
@@ -6650,18 +6638,18 @@
                     <a:lstStyle/>
                     <a:p>
                       <a:r>
-                        <a:rPr lang="en-US" sz="1100">
+                        <a:rPr lang="en-US" sz="1100" dirty="0">
                           <a:effectLst/>
                         </a:rPr>
                         <a:t>Tues 20 Feb</a:t>
                       </a:r>
                       <a:br>
-                        <a:rPr lang="en-US" sz="1100">
+                        <a:rPr lang="en-US" sz="1100" dirty="0">
                           <a:effectLst/>
                         </a:rPr>
                       </a:br>
                       <a:r>
-                        <a:rPr lang="en-US" sz="1100">
+                        <a:rPr lang="en-US" sz="1100" dirty="0">
                           <a:effectLst/>
                         </a:rPr>
                         <a:t>10:00-11:30</a:t>
@@ -6676,18 +6664,18 @@
                     <a:lstStyle/>
                     <a:p>
                       <a:r>
-                        <a:rPr lang="en-US" sz="1100">
+                        <a:rPr lang="en-US" sz="1100" dirty="0">
                           <a:effectLst/>
                         </a:rPr>
                         <a:t>Tues 27 Feb</a:t>
                       </a:r>
                       <a:br>
-                        <a:rPr lang="en-US" sz="1100">
+                        <a:rPr lang="en-US" sz="1100" dirty="0">
                           <a:effectLst/>
                         </a:rPr>
                       </a:br>
                       <a:r>
-                        <a:rPr lang="en-US" sz="1100">
+                        <a:rPr lang="en-US" sz="1100" dirty="0">
                           <a:effectLst/>
                         </a:rPr>
                         <a:t>10:00-11:30</a:t>
@@ -6702,18 +6690,18 @@
                     <a:lstStyle/>
                     <a:p>
                       <a:r>
-                        <a:rPr lang="en-US" sz="1100">
+                        <a:rPr lang="en-US" sz="1100" dirty="0">
                           <a:effectLst/>
                         </a:rPr>
                         <a:t>Tues 5 March</a:t>
                       </a:r>
                       <a:br>
-                        <a:rPr lang="en-US" sz="1100">
+                        <a:rPr lang="en-US" sz="1100" dirty="0">
                           <a:effectLst/>
                         </a:rPr>
                       </a:br>
                       <a:r>
-                        <a:rPr lang="en-US" sz="1100">
+                        <a:rPr lang="en-US" sz="1100" dirty="0">
                           <a:effectLst/>
                         </a:rPr>
                         <a:t>10:00-11:30</a:t>
@@ -6728,18 +6716,18 @@
                     <a:lstStyle/>
                     <a:p>
                       <a:r>
-                        <a:rPr lang="en-US" sz="1100">
+                        <a:rPr lang="en-US" sz="1100" dirty="0">
                           <a:effectLst/>
                         </a:rPr>
                         <a:t>Tues 12 March</a:t>
                       </a:r>
                       <a:br>
-                        <a:rPr lang="en-US" sz="1100">
+                        <a:rPr lang="en-US" sz="1100" dirty="0">
                           <a:effectLst/>
                         </a:rPr>
                       </a:br>
                       <a:r>
-                        <a:rPr lang="en-US" sz="1100">
+                        <a:rPr lang="en-US" sz="1100" dirty="0">
                           <a:effectLst/>
                         </a:rPr>
                         <a:t>10:00-11:30</a:t>
@@ -6754,18 +6742,18 @@
                     <a:lstStyle/>
                     <a:p>
                       <a:r>
-                        <a:rPr lang="en-US" sz="1100">
+                        <a:rPr lang="en-US" sz="1100" dirty="0">
                           <a:effectLst/>
                         </a:rPr>
                         <a:t>Tues 19 March</a:t>
                       </a:r>
                       <a:br>
-                        <a:rPr lang="en-US" sz="1100">
+                        <a:rPr lang="en-US" sz="1100" dirty="0">
                           <a:effectLst/>
                         </a:rPr>
                       </a:br>
                       <a:r>
-                        <a:rPr lang="en-US" sz="1100">
+                        <a:rPr lang="en-US" sz="1100" dirty="0">
                           <a:effectLst/>
                         </a:rPr>
                         <a:t>10:00-11:30</a:t>
@@ -6799,30 +6787,30 @@
                     <a:lstStyle/>
                     <a:p>
                       <a:r>
-                        <a:rPr lang="en-US" sz="1200">
-                          <a:effectLst/>
-                        </a:rPr>
-                        <a:t>Practical application Lab:</a:t>
+                        <a:rPr lang="en-US" sz="1200" dirty="0">
+                          <a:effectLst/>
+                        </a:rPr>
+                        <a:t>Lab 1:</a:t>
                       </a:r>
                       <a:br>
-                        <a:rPr lang="en-US" sz="1200">
+                        <a:rPr lang="en-US" sz="1200" dirty="0">
                           <a:effectLst/>
                         </a:rPr>
                       </a:br>
                       <a:r>
-                        <a:rPr lang="en-US" sz="1200">
+                        <a:rPr lang="en-US" sz="1200" dirty="0">
                           <a:effectLst/>
                         </a:rPr>
                         <a:t>(</a:t>
                       </a:r>
                       <a:r>
-                        <a:rPr lang="en-US" sz="1200" b="1">
+                        <a:rPr lang="en-US" sz="1200" b="1" dirty="0">
                           <a:effectLst/>
                         </a:rPr>
                         <a:t>in-person</a:t>
                       </a:r>
                       <a:r>
-                        <a:rPr lang="en-US" sz="1200">
+                        <a:rPr lang="en-US" sz="1200" dirty="0">
                           <a:effectLst/>
                         </a:rPr>
                         <a:t>)</a:t>
@@ -6830,10 +6818,10 @@
                     </a:p>
                     <a:p>
                       <a:r>
-                        <a:rPr lang="en-US" sz="1200">
-                          <a:effectLst/>
-                        </a:rPr>
-                        <a:t>HDB 1.14.PC</a:t>
+                        <a:rPr lang="en-US" sz="1200" dirty="0">
+                          <a:effectLst/>
+                        </a:rPr>
+                        <a:t>HDB 6.19</a:t>
                       </a:r>
                     </a:p>
                   </a:txBody>
@@ -6845,21 +6833,21 @@
                     <a:lstStyle/>
                     <a:p>
                       <a:r>
-                        <a:rPr lang="en-US" sz="1100">
-                          <a:effectLst/>
-                        </a:rPr>
-                        <a:t>Wed 1 Feb</a:t>
+                        <a:rPr lang="en-US" sz="1100" dirty="0">
+                          <a:effectLst/>
+                        </a:rPr>
+                        <a:t>Tues 30 Jan</a:t>
                       </a:r>
                       <a:br>
-                        <a:rPr lang="en-US" sz="1100">
+                        <a:rPr lang="en-US" sz="1100" dirty="0">
                           <a:effectLst/>
                         </a:rPr>
                       </a:br>
                       <a:r>
-                        <a:rPr lang="en-US" sz="1100">
-                          <a:effectLst/>
-                        </a:rPr>
-                        <a:t>13:30-15:00</a:t>
+                        <a:rPr lang="en-US" sz="1100" dirty="0">
+                          <a:effectLst/>
+                        </a:rPr>
+                        <a:t>12:00-13:30</a:t>
                       </a:r>
                     </a:p>
                   </a:txBody>
@@ -6870,22 +6858,39 @@
                     <a:bodyPr/>
                     <a:lstStyle/>
                     <a:p>
-                      <a:r>
-                        <a:rPr lang="en-US" sz="1100">
-                          <a:effectLst/>
-                        </a:rPr>
-                        <a:t>Wed 8 Feb</a:t>
+                      <a:pPr marL="0" marR="0" lvl="0" indent="0" algn="l" defTabSz="914400" rtl="0" eaLnBrk="1" fontAlgn="auto" latinLnBrk="0" hangingPunct="1">
+                        <a:lnSpc>
+                          <a:spcPct val="100000"/>
+                        </a:lnSpc>
+                        <a:spcBef>
+                          <a:spcPts val="0"/>
+                        </a:spcBef>
+                        <a:spcAft>
+                          <a:spcPts val="0"/>
+                        </a:spcAft>
+                        <a:buClrTx/>
+                        <a:buSzTx/>
+                        <a:buFontTx/>
+                        <a:buNone/>
+                        <a:tabLst/>
+                        <a:defRPr/>
+                      </a:pPr>
+                      <a:r>
+                        <a:rPr lang="en-US" sz="1100" dirty="0">
+                          <a:effectLst/>
+                        </a:rPr>
+                        <a:t>Tues 6 Feb</a:t>
                       </a:r>
                       <a:br>
-                        <a:rPr lang="en-US" sz="1100">
+                        <a:rPr lang="en-US" sz="1100" dirty="0">
                           <a:effectLst/>
                         </a:rPr>
                       </a:br>
                       <a:r>
-                        <a:rPr lang="en-US" sz="1100">
-                          <a:effectLst/>
-                        </a:rPr>
-                        <a:t>13:30-15:00</a:t>
+                        <a:rPr lang="en-US" sz="1100" dirty="0">
+                          <a:effectLst/>
+                        </a:rPr>
+                        <a:t>12:00-13:30</a:t>
                       </a:r>
                     </a:p>
                   </a:txBody>
@@ -6897,21 +6902,21 @@
                     <a:lstStyle/>
                     <a:p>
                       <a:r>
-                        <a:rPr lang="en-US" sz="1100">
-                          <a:effectLst/>
-                        </a:rPr>
-                        <a:t>Wed 15 Feb</a:t>
+                        <a:rPr lang="en-US" sz="1100" dirty="0">
+                          <a:effectLst/>
+                        </a:rPr>
+                        <a:t>Tues 13 Feb</a:t>
                       </a:r>
                       <a:br>
-                        <a:rPr lang="en-US" sz="1100">
+                        <a:rPr lang="en-US" sz="1100" dirty="0">
                           <a:effectLst/>
                         </a:rPr>
                       </a:br>
                       <a:r>
-                        <a:rPr lang="en-US" sz="1100">
-                          <a:effectLst/>
-                        </a:rPr>
-                        <a:t>13:30-15:00</a:t>
+                        <a:rPr lang="en-US" sz="1100" dirty="0">
+                          <a:effectLst/>
+                        </a:rPr>
+                        <a:t>12:00-13:30</a:t>
                       </a:r>
                     </a:p>
                   </a:txBody>
@@ -6923,21 +6928,21 @@
                     <a:lstStyle/>
                     <a:p>
                       <a:r>
-                        <a:rPr lang="en-US" sz="1100">
-                          <a:effectLst/>
-                        </a:rPr>
-                        <a:t>Wed 22 Feb</a:t>
+                        <a:rPr lang="en-US" sz="1100" dirty="0">
+                          <a:effectLst/>
+                        </a:rPr>
+                        <a:t>Tues 20 Feb</a:t>
                       </a:r>
                       <a:br>
-                        <a:rPr lang="en-US" sz="1100">
+                        <a:rPr lang="en-US" sz="1100" dirty="0">
                           <a:effectLst/>
                         </a:rPr>
                       </a:br>
                       <a:r>
-                        <a:rPr lang="en-US" sz="1100">
-                          <a:effectLst/>
-                        </a:rPr>
-                        <a:t>13:30-15:00</a:t>
+                        <a:rPr lang="en-US" sz="1100" dirty="0">
+                          <a:effectLst/>
+                        </a:rPr>
+                        <a:t>12:00-13:30</a:t>
                       </a:r>
                     </a:p>
                   </a:txBody>
@@ -6949,21 +6954,21 @@
                     <a:lstStyle/>
                     <a:p>
                       <a:r>
-                        <a:rPr lang="en-US" sz="1100">
-                          <a:effectLst/>
-                        </a:rPr>
-                        <a:t>Wed 1 March</a:t>
+                        <a:rPr lang="en-US" sz="1100" dirty="0">
+                          <a:effectLst/>
+                        </a:rPr>
+                        <a:t>Tues 27 Feb</a:t>
                       </a:r>
                       <a:br>
-                        <a:rPr lang="en-US" sz="1100">
+                        <a:rPr lang="en-US" sz="1100" dirty="0">
                           <a:effectLst/>
                         </a:rPr>
                       </a:br>
                       <a:r>
-                        <a:rPr lang="en-US" sz="1100">
-                          <a:effectLst/>
-                        </a:rPr>
-                        <a:t>13:30-15:00</a:t>
+                        <a:rPr lang="en-US" sz="1100" dirty="0">
+                          <a:effectLst/>
+                        </a:rPr>
+                        <a:t>12:00-13:30</a:t>
                       </a:r>
                     </a:p>
                   </a:txBody>
@@ -6975,21 +6980,21 @@
                     <a:lstStyle/>
                     <a:p>
                       <a:r>
-                        <a:rPr lang="en-US" sz="1100">
-                          <a:effectLst/>
-                        </a:rPr>
-                        <a:t>Wed 8 March</a:t>
+                        <a:rPr lang="en-US" sz="1100" dirty="0">
+                          <a:effectLst/>
+                        </a:rPr>
+                        <a:t>Tues 5 March</a:t>
                       </a:r>
                       <a:br>
-                        <a:rPr lang="en-US" sz="1100">
+                        <a:rPr lang="en-US" sz="1100" dirty="0">
                           <a:effectLst/>
                         </a:rPr>
                       </a:br>
                       <a:r>
-                        <a:rPr lang="en-US" sz="1100">
-                          <a:effectLst/>
-                        </a:rPr>
-                        <a:t>13:30-15:00</a:t>
+                        <a:rPr lang="en-US" sz="1100" dirty="0">
+                          <a:effectLst/>
+                        </a:rPr>
+                        <a:t>12:00-13:30</a:t>
                       </a:r>
                     </a:p>
                   </a:txBody>
@@ -7001,21 +7006,21 @@
                     <a:lstStyle/>
                     <a:p>
                       <a:r>
-                        <a:rPr lang="en-US" sz="1100">
-                          <a:effectLst/>
-                        </a:rPr>
-                        <a:t>Wed 15 March</a:t>
+                        <a:rPr lang="en-US" sz="1100" dirty="0">
+                          <a:effectLst/>
+                        </a:rPr>
+                        <a:t>Tues 12 March</a:t>
                       </a:r>
                       <a:br>
-                        <a:rPr lang="en-US" sz="1100">
+                        <a:rPr lang="en-US" sz="1100" dirty="0">
                           <a:effectLst/>
                         </a:rPr>
                       </a:br>
                       <a:r>
-                        <a:rPr lang="en-US" sz="1100">
-                          <a:effectLst/>
-                        </a:rPr>
-                        <a:t>13:30-15:00</a:t>
+                        <a:rPr lang="en-US" sz="1100" dirty="0">
+                          <a:effectLst/>
+                        </a:rPr>
+                        <a:t>12:00-13:30</a:t>
                       </a:r>
                     </a:p>
                   </a:txBody>
@@ -7027,21 +7032,21 @@
                     <a:lstStyle/>
                     <a:p>
                       <a:r>
-                        <a:rPr lang="en-US" sz="1100">
-                          <a:effectLst/>
-                        </a:rPr>
-                        <a:t>Wed 22 March</a:t>
+                        <a:rPr lang="en-US" sz="1100" dirty="0">
+                          <a:effectLst/>
+                        </a:rPr>
+                        <a:t>Tues 19 March</a:t>
                       </a:r>
                       <a:br>
-                        <a:rPr lang="en-US" sz="1100">
+                        <a:rPr lang="en-US" sz="1100" dirty="0">
                           <a:effectLst/>
                         </a:rPr>
                       </a:br>
                       <a:r>
-                        <a:rPr lang="en-US" sz="1100">
-                          <a:effectLst/>
-                        </a:rPr>
-                        <a:t>13:30-15:00</a:t>
+                        <a:rPr lang="en-US" sz="1100" dirty="0">
+                          <a:effectLst/>
+                        </a:rPr>
+                        <a:t>12:00-13:30</a:t>
                       </a:r>
                     </a:p>
                   </a:txBody>
@@ -7072,30 +7077,30 @@
                     <a:lstStyle/>
                     <a:p>
                       <a:r>
-                        <a:rPr lang="en-US" sz="1200">
-                          <a:effectLst/>
-                        </a:rPr>
-                        <a:t>Theoretical application Lab:</a:t>
+                        <a:rPr lang="en-US" sz="1200" dirty="0">
+                          <a:effectLst/>
+                        </a:rPr>
+                        <a:t>Lab 2:</a:t>
                       </a:r>
                       <a:br>
-                        <a:rPr lang="en-US" sz="1200">
+                        <a:rPr lang="en-US" sz="1200" dirty="0">
                           <a:effectLst/>
                         </a:rPr>
                       </a:br>
                       <a:r>
-                        <a:rPr lang="en-US" sz="1200">
+                        <a:rPr lang="en-US" sz="1200" dirty="0">
                           <a:effectLst/>
                         </a:rPr>
                         <a:t>(</a:t>
                       </a:r>
                       <a:r>
-                        <a:rPr lang="en-US" sz="1200" b="1">
+                        <a:rPr lang="en-US" sz="1200" b="1" dirty="0">
                           <a:effectLst/>
                         </a:rPr>
                         <a:t>in-person</a:t>
                       </a:r>
                       <a:r>
-                        <a:rPr lang="en-US" sz="1200">
+                        <a:rPr lang="en-US" sz="1200" dirty="0">
                           <a:effectLst/>
                         </a:rPr>
                         <a:t>)</a:t>
@@ -7103,7 +7108,7 @@
                     </a:p>
                     <a:p>
                       <a:r>
-                        <a:rPr lang="en-US" sz="1200">
+                        <a:rPr lang="en-US" sz="1200" dirty="0">
                           <a:effectLst/>
                         </a:rPr>
                         <a:t>HDB 6.19</a:t>
@@ -7118,21 +7123,21 @@
                     <a:lstStyle/>
                     <a:p>
                       <a:r>
-                        <a:rPr lang="en-US" sz="1100">
-                          <a:effectLst/>
-                        </a:rPr>
-                        <a:t>Wed 31 Jan</a:t>
+                        <a:rPr lang="en-US" sz="1100" dirty="0">
+                          <a:effectLst/>
+                        </a:rPr>
+                        <a:t>Tues 30 Jan</a:t>
                       </a:r>
                       <a:br>
-                        <a:rPr lang="en-US" sz="1100">
+                        <a:rPr lang="en-US" sz="1100" dirty="0">
                           <a:effectLst/>
                         </a:rPr>
                       </a:br>
                       <a:r>
-                        <a:rPr lang="en-US" sz="1100">
-                          <a:effectLst/>
-                        </a:rPr>
-                        <a:t>10:00-11:30</a:t>
+                        <a:rPr lang="en-US" sz="1100" dirty="0">
+                          <a:effectLst/>
+                        </a:rPr>
+                        <a:t>13:30-15:00</a:t>
                       </a:r>
                     </a:p>
                   </a:txBody>
@@ -7143,22 +7148,39 @@
                     <a:bodyPr/>
                     <a:lstStyle/>
                     <a:p>
-                      <a:r>
-                        <a:rPr lang="en-US" sz="1100">
-                          <a:effectLst/>
-                        </a:rPr>
-                        <a:t>Wed 7 Feb</a:t>
+                      <a:pPr marL="0" marR="0" lvl="0" indent="0" algn="l" defTabSz="914400" rtl="0" eaLnBrk="1" fontAlgn="auto" latinLnBrk="0" hangingPunct="1">
+                        <a:lnSpc>
+                          <a:spcPct val="100000"/>
+                        </a:lnSpc>
+                        <a:spcBef>
+                          <a:spcPts val="0"/>
+                        </a:spcBef>
+                        <a:spcAft>
+                          <a:spcPts val="0"/>
+                        </a:spcAft>
+                        <a:buClrTx/>
+                        <a:buSzTx/>
+                        <a:buFontTx/>
+                        <a:buNone/>
+                        <a:tabLst/>
+                        <a:defRPr/>
+                      </a:pPr>
+                      <a:r>
+                        <a:rPr lang="en-US" sz="1100" dirty="0">
+                          <a:effectLst/>
+                        </a:rPr>
+                        <a:t>Tues 6 Feb</a:t>
                       </a:r>
                       <a:br>
-                        <a:rPr lang="en-US" sz="1100">
+                        <a:rPr lang="en-US" sz="1100" dirty="0">
                           <a:effectLst/>
                         </a:rPr>
                       </a:br>
                       <a:r>
-                        <a:rPr lang="en-US" sz="1100">
-                          <a:effectLst/>
-                        </a:rPr>
-                        <a:t>10:00-11:30</a:t>
+                        <a:rPr lang="en-US" sz="1100" dirty="0">
+                          <a:effectLst/>
+                        </a:rPr>
+                        <a:t>13:30-15:00</a:t>
                       </a:r>
                     </a:p>
                   </a:txBody>
@@ -7170,21 +7192,21 @@
                     <a:lstStyle/>
                     <a:p>
                       <a:r>
-                        <a:rPr lang="en-US" sz="1100">
-                          <a:effectLst/>
-                        </a:rPr>
-                        <a:t>Wed 14 Feb</a:t>
+                        <a:rPr lang="en-US" sz="1100" dirty="0">
+                          <a:effectLst/>
+                        </a:rPr>
+                        <a:t>Tues 13 Feb</a:t>
                       </a:r>
                       <a:br>
-                        <a:rPr lang="en-US" sz="1100">
+                        <a:rPr lang="en-US" sz="1100" dirty="0">
                           <a:effectLst/>
                         </a:rPr>
                       </a:br>
                       <a:r>
-                        <a:rPr lang="en-US" sz="1100">
-                          <a:effectLst/>
-                        </a:rPr>
-                        <a:t>10:00-11:30</a:t>
+                        <a:rPr lang="en-US" sz="1100" dirty="0">
+                          <a:effectLst/>
+                        </a:rPr>
+                        <a:t>13:30-15:00</a:t>
                       </a:r>
                     </a:p>
                   </a:txBody>
@@ -7196,21 +7218,21 @@
                     <a:lstStyle/>
                     <a:p>
                       <a:r>
-                        <a:rPr lang="en-US" sz="1100">
-                          <a:effectLst/>
-                        </a:rPr>
-                        <a:t>Wed 21 Feb</a:t>
+                        <a:rPr lang="en-US" sz="1100" dirty="0">
+                          <a:effectLst/>
+                        </a:rPr>
+                        <a:t>Tues 20 Feb</a:t>
                       </a:r>
                       <a:br>
-                        <a:rPr lang="en-US" sz="1100">
+                        <a:rPr lang="en-US" sz="1100" dirty="0">
                           <a:effectLst/>
                         </a:rPr>
                       </a:br>
                       <a:r>
-                        <a:rPr lang="en-US" sz="1100">
-                          <a:effectLst/>
-                        </a:rPr>
-                        <a:t>10:00-11:30</a:t>
+                        <a:rPr lang="en-US" sz="1100" dirty="0">
+                          <a:effectLst/>
+                        </a:rPr>
+                        <a:t>13:30-15:00</a:t>
                       </a:r>
                     </a:p>
                   </a:txBody>
@@ -7222,21 +7244,21 @@
                     <a:lstStyle/>
                     <a:p>
                       <a:r>
-                        <a:rPr lang="en-US" sz="1100">
-                          <a:effectLst/>
-                        </a:rPr>
-                        <a:t>Wed 28 Feb</a:t>
+                        <a:rPr lang="en-US" sz="1100" dirty="0">
+                          <a:effectLst/>
+                        </a:rPr>
+                        <a:t>Tues 27 Feb</a:t>
                       </a:r>
                       <a:br>
-                        <a:rPr lang="en-US" sz="1100">
+                        <a:rPr lang="en-US" sz="1100" dirty="0">
                           <a:effectLst/>
                         </a:rPr>
                       </a:br>
                       <a:r>
-                        <a:rPr lang="en-US" sz="1100">
-                          <a:effectLst/>
-                        </a:rPr>
-                        <a:t>10:00-11:30</a:t>
+                        <a:rPr lang="en-US" sz="1100" dirty="0">
+                          <a:effectLst/>
+                        </a:rPr>
+                        <a:t>13:30-15:00</a:t>
                       </a:r>
                     </a:p>
                   </a:txBody>
@@ -7248,21 +7270,21 @@
                     <a:lstStyle/>
                     <a:p>
                       <a:r>
-                        <a:rPr lang="en-US" sz="1100">
-                          <a:effectLst/>
-                        </a:rPr>
-                        <a:t>Wed 6 March</a:t>
+                        <a:rPr lang="en-US" sz="1100" dirty="0">
+                          <a:effectLst/>
+                        </a:rPr>
+                        <a:t>Tues 5 March</a:t>
                       </a:r>
                       <a:br>
-                        <a:rPr lang="en-US" sz="1100">
+                        <a:rPr lang="en-US" sz="1100" dirty="0">
                           <a:effectLst/>
                         </a:rPr>
                       </a:br>
                       <a:r>
-                        <a:rPr lang="en-US" sz="1100">
-                          <a:effectLst/>
-                        </a:rPr>
-                        <a:t>10:00-11:30</a:t>
+                        <a:rPr lang="en-US" sz="1100" dirty="0">
+                          <a:effectLst/>
+                        </a:rPr>
+                        <a:t>13:30-15:00</a:t>
                       </a:r>
                     </a:p>
                   </a:txBody>
@@ -7274,21 +7296,21 @@
                     <a:lstStyle/>
                     <a:p>
                       <a:r>
-                        <a:rPr lang="en-US" sz="1100">
-                          <a:effectLst/>
-                        </a:rPr>
-                        <a:t>Wed 13 March</a:t>
+                        <a:rPr lang="en-US" sz="1100" dirty="0">
+                          <a:effectLst/>
+                        </a:rPr>
+                        <a:t>Tues 12 March</a:t>
                       </a:r>
                       <a:br>
-                        <a:rPr lang="en-US" sz="1100">
+                        <a:rPr lang="en-US" sz="1100" dirty="0">
                           <a:effectLst/>
                         </a:rPr>
                       </a:br>
                       <a:r>
-                        <a:rPr lang="en-US" sz="1100">
-                          <a:effectLst/>
-                        </a:rPr>
-                        <a:t>10:00-11:30</a:t>
+                        <a:rPr lang="en-US" sz="1100" dirty="0">
+                          <a:effectLst/>
+                        </a:rPr>
+                        <a:t>13:30-15:00</a:t>
                       </a:r>
                     </a:p>
                   </a:txBody>
@@ -7300,21 +7322,21 @@
                     <a:lstStyle/>
                     <a:p>
                       <a:r>
-                        <a:rPr lang="en-US" sz="1100">
-                          <a:effectLst/>
-                        </a:rPr>
-                        <a:t>Wed 20 March</a:t>
+                        <a:rPr lang="en-US" sz="1100" dirty="0">
+                          <a:effectLst/>
+                        </a:rPr>
+                        <a:t>Tues 19 March</a:t>
                       </a:r>
                       <a:br>
-                        <a:rPr lang="en-US" sz="1100">
+                        <a:rPr lang="en-US" sz="1100" dirty="0">
                           <a:effectLst/>
                         </a:rPr>
                       </a:br>
                       <a:r>
-                        <a:rPr lang="en-US" sz="1100">
-                          <a:effectLst/>
-                        </a:rPr>
-                        <a:t>10:00-11:30</a:t>
+                        <a:rPr lang="en-US" sz="1100" dirty="0">
+                          <a:effectLst/>
+                        </a:rPr>
+                        <a:t>13:30-15:00</a:t>
                       </a:r>
                     </a:p>
                   </a:txBody>
@@ -7325,7 +7347,7 @@
                     <a:bodyPr/>
                     <a:lstStyle/>
                     <a:p>
-                      <a:endParaRPr lang="en-US" sz="1200">
+                      <a:endParaRPr lang="en-US" sz="1200" dirty="0">
                         <a:effectLst/>
                       </a:endParaRPr>
                     </a:p>
@@ -7375,18 +7397,10 @@
                     <a:lstStyle/>
                     <a:p>
                       <a:r>
-                        <a:rPr lang="en-US" sz="1000" b="1">
-                          <a:effectLst/>
-                        </a:rPr>
-                        <a:t>P &amp; T:</a:t>
-                      </a:r>
-                    </a:p>
-                    <a:p>
-                      <a:r>
-                        <a:rPr lang="en-US" sz="1000">
-                          <a:effectLst/>
-                        </a:rPr>
-                        <a:t>Reflective survey</a:t>
+                        <a:rPr lang="en-US" sz="1000" dirty="0">
+                          <a:effectLst/>
+                        </a:rPr>
+                        <a:t>Lab worksheet exercises</a:t>
                       </a:r>
                     </a:p>
                   </a:txBody>
@@ -7397,32 +7411,54 @@
                     <a:bodyPr/>
                     <a:lstStyle/>
                     <a:p>
-                      <a:r>
-                        <a:rPr lang="en-US" sz="1000" b="1" dirty="0">
-                          <a:effectLst/>
-                        </a:rPr>
-                        <a:t>P</a:t>
-                      </a:r>
-                      <a:r>
-                        <a:rPr lang="en-US" sz="1000" dirty="0">
-                          <a:effectLst/>
-                        </a:rPr>
-                        <a:t>: R notebook</a:t>
-                      </a:r>
-                    </a:p>
-                    <a:p>
-                      <a:r>
-                        <a:rPr lang="en-US" sz="1000" b="1" dirty="0">
-                          <a:effectLst/>
-                        </a:rPr>
-                        <a:t>T</a:t>
-                      </a:r>
-                      <a:r>
-                        <a:rPr lang="en-US" sz="1000" dirty="0">
-                          <a:effectLst/>
-                        </a:rPr>
-                        <a:t>: Seminar work</a:t>
-                      </a:r>
+                      <a:pPr marL="0" marR="0" lvl="0" indent="0" algn="l" defTabSz="457200" rtl="0" eaLnBrk="1" fontAlgn="auto" latinLnBrk="0" hangingPunct="1">
+                        <a:lnSpc>
+                          <a:spcPct val="100000"/>
+                        </a:lnSpc>
+                        <a:spcBef>
+                          <a:spcPts val="0"/>
+                        </a:spcBef>
+                        <a:spcAft>
+                          <a:spcPts val="0"/>
+                        </a:spcAft>
+                        <a:buClrTx/>
+                        <a:buSzTx/>
+                        <a:buFontTx/>
+                        <a:buNone/>
+                        <a:tabLst/>
+                        <a:defRPr/>
+                      </a:pPr>
+                      <a:r>
+                        <a:rPr kumimoji="0" lang="en-US" sz="1000" b="0" i="0" u="none" strike="noStrike" kern="1200" cap="none" spc="0" normalizeH="0" baseline="0" noProof="0">
+                          <a:ln>
+                            <a:noFill/>
+                          </a:ln>
+                          <a:solidFill>
+                            <a:prstClr val="black"/>
+                          </a:solidFill>
+                          <a:effectLst/>
+                          <a:uLnTx/>
+                          <a:uFillTx/>
+                          <a:latin typeface="Calibri" panose="020F0502020204030204"/>
+                          <a:ea typeface="+mn-ea"/>
+                          <a:cs typeface="+mn-cs"/>
+                        </a:rPr>
+                        <a:t>Lab worksheet exercises</a:t>
+                      </a:r>
+                      <a:endParaRPr kumimoji="0" lang="en-US" sz="1000" b="0" i="0" u="none" strike="noStrike" kern="1200" cap="none" spc="0" normalizeH="0" baseline="0" noProof="0" dirty="0">
+                        <a:ln>
+                          <a:noFill/>
+                        </a:ln>
+                        <a:solidFill>
+                          <a:prstClr val="black"/>
+                        </a:solidFill>
+                        <a:effectLst/>
+                        <a:uLnTx/>
+                        <a:uFillTx/>
+                        <a:latin typeface="Calibri" panose="020F0502020204030204"/>
+                        <a:ea typeface="+mn-ea"/>
+                        <a:cs typeface="+mn-cs"/>
+                      </a:endParaRPr>
                     </a:p>
                   </a:txBody>
                   <a:tcPr anchor="ctr"/>
@@ -7432,32 +7468,54 @@
                     <a:bodyPr/>
                     <a:lstStyle/>
                     <a:p>
-                      <a:r>
-                        <a:rPr lang="en-US" sz="1000" b="1" dirty="0">
-                          <a:effectLst/>
-                        </a:rPr>
-                        <a:t>P</a:t>
-                      </a:r>
-                      <a:r>
-                        <a:rPr lang="en-US" sz="1000" dirty="0">
-                          <a:effectLst/>
-                        </a:rPr>
-                        <a:t>: R notebook</a:t>
-                      </a:r>
-                    </a:p>
-                    <a:p>
-                      <a:r>
-                        <a:rPr lang="en-US" sz="1000" b="1" dirty="0">
-                          <a:effectLst/>
-                        </a:rPr>
-                        <a:t>T</a:t>
-                      </a:r>
-                      <a:r>
-                        <a:rPr lang="en-US" sz="1000" dirty="0">
-                          <a:effectLst/>
-                        </a:rPr>
-                        <a:t>: Seminar work</a:t>
-                      </a:r>
+                      <a:pPr marL="0" marR="0" lvl="0" indent="0" algn="l" defTabSz="457200" rtl="0" eaLnBrk="1" fontAlgn="auto" latinLnBrk="0" hangingPunct="1">
+                        <a:lnSpc>
+                          <a:spcPct val="100000"/>
+                        </a:lnSpc>
+                        <a:spcBef>
+                          <a:spcPts val="0"/>
+                        </a:spcBef>
+                        <a:spcAft>
+                          <a:spcPts val="0"/>
+                        </a:spcAft>
+                        <a:buClrTx/>
+                        <a:buSzTx/>
+                        <a:buFontTx/>
+                        <a:buNone/>
+                        <a:tabLst/>
+                        <a:defRPr/>
+                      </a:pPr>
+                      <a:r>
+                        <a:rPr kumimoji="0" lang="en-US" sz="1000" b="0" i="0" u="none" strike="noStrike" kern="1200" cap="none" spc="0" normalizeH="0" baseline="0" noProof="0">
+                          <a:ln>
+                            <a:noFill/>
+                          </a:ln>
+                          <a:solidFill>
+                            <a:prstClr val="black"/>
+                          </a:solidFill>
+                          <a:effectLst/>
+                          <a:uLnTx/>
+                          <a:uFillTx/>
+                          <a:latin typeface="Calibri" panose="020F0502020204030204"/>
+                          <a:ea typeface="+mn-ea"/>
+                          <a:cs typeface="+mn-cs"/>
+                        </a:rPr>
+                        <a:t>Lab worksheet exercises</a:t>
+                      </a:r>
+                      <a:endParaRPr kumimoji="0" lang="en-US" sz="1000" b="0" i="0" u="none" strike="noStrike" kern="1200" cap="none" spc="0" normalizeH="0" baseline="0" noProof="0" dirty="0">
+                        <a:ln>
+                          <a:noFill/>
+                        </a:ln>
+                        <a:solidFill>
+                          <a:prstClr val="black"/>
+                        </a:solidFill>
+                        <a:effectLst/>
+                        <a:uLnTx/>
+                        <a:uFillTx/>
+                        <a:latin typeface="Calibri" panose="020F0502020204030204"/>
+                        <a:ea typeface="+mn-ea"/>
+                        <a:cs typeface="+mn-cs"/>
+                      </a:endParaRPr>
                     </a:p>
                   </a:txBody>
                   <a:tcPr anchor="ctr"/>
@@ -7467,32 +7525,54 @@
                     <a:bodyPr/>
                     <a:lstStyle/>
                     <a:p>
-                      <a:r>
-                        <a:rPr lang="en-US" sz="1000" b="1" dirty="0">
-                          <a:effectLst/>
-                        </a:rPr>
-                        <a:t>P</a:t>
-                      </a:r>
-                      <a:r>
-                        <a:rPr lang="en-US" sz="1000" dirty="0">
-                          <a:effectLst/>
-                        </a:rPr>
-                        <a:t>: R notebook</a:t>
-                      </a:r>
-                    </a:p>
-                    <a:p>
-                      <a:r>
-                        <a:rPr lang="en-US" sz="1000" b="1" dirty="0">
-                          <a:effectLst/>
-                        </a:rPr>
-                        <a:t>T</a:t>
-                      </a:r>
-                      <a:r>
-                        <a:rPr lang="en-US" sz="1000" dirty="0">
-                          <a:effectLst/>
-                        </a:rPr>
-                        <a:t>: Seminar work</a:t>
-                      </a:r>
+                      <a:pPr marL="0" marR="0" lvl="0" indent="0" algn="l" defTabSz="457200" rtl="0" eaLnBrk="1" fontAlgn="auto" latinLnBrk="0" hangingPunct="1">
+                        <a:lnSpc>
+                          <a:spcPct val="100000"/>
+                        </a:lnSpc>
+                        <a:spcBef>
+                          <a:spcPts val="0"/>
+                        </a:spcBef>
+                        <a:spcAft>
+                          <a:spcPts val="0"/>
+                        </a:spcAft>
+                        <a:buClrTx/>
+                        <a:buSzTx/>
+                        <a:buFontTx/>
+                        <a:buNone/>
+                        <a:tabLst/>
+                        <a:defRPr/>
+                      </a:pPr>
+                      <a:r>
+                        <a:rPr kumimoji="0" lang="en-US" sz="1000" b="0" i="0" u="none" strike="noStrike" kern="1200" cap="none" spc="0" normalizeH="0" baseline="0" noProof="0">
+                          <a:ln>
+                            <a:noFill/>
+                          </a:ln>
+                          <a:solidFill>
+                            <a:prstClr val="black"/>
+                          </a:solidFill>
+                          <a:effectLst/>
+                          <a:uLnTx/>
+                          <a:uFillTx/>
+                          <a:latin typeface="Calibri" panose="020F0502020204030204"/>
+                          <a:ea typeface="+mn-ea"/>
+                          <a:cs typeface="+mn-cs"/>
+                        </a:rPr>
+                        <a:t>Lab worksheet exercises</a:t>
+                      </a:r>
+                      <a:endParaRPr kumimoji="0" lang="en-US" sz="1000" b="0" i="0" u="none" strike="noStrike" kern="1200" cap="none" spc="0" normalizeH="0" baseline="0" noProof="0" dirty="0">
+                        <a:ln>
+                          <a:noFill/>
+                        </a:ln>
+                        <a:solidFill>
+                          <a:prstClr val="black"/>
+                        </a:solidFill>
+                        <a:effectLst/>
+                        <a:uLnTx/>
+                        <a:uFillTx/>
+                        <a:latin typeface="Calibri" panose="020F0502020204030204"/>
+                        <a:ea typeface="+mn-ea"/>
+                        <a:cs typeface="+mn-cs"/>
+                      </a:endParaRPr>
                     </a:p>
                   </a:txBody>
                   <a:tcPr anchor="ctr"/>
@@ -7502,32 +7582,54 @@
                     <a:bodyPr/>
                     <a:lstStyle/>
                     <a:p>
-                      <a:r>
-                        <a:rPr lang="en-US" sz="1000" b="1" dirty="0">
-                          <a:effectLst/>
-                        </a:rPr>
-                        <a:t>P</a:t>
-                      </a:r>
-                      <a:r>
-                        <a:rPr lang="en-US" sz="1000" dirty="0">
-                          <a:effectLst/>
-                        </a:rPr>
-                        <a:t>: R notebook</a:t>
-                      </a:r>
-                    </a:p>
-                    <a:p>
-                      <a:r>
-                        <a:rPr lang="en-US" sz="1000" b="1" dirty="0">
-                          <a:effectLst/>
-                        </a:rPr>
-                        <a:t>T</a:t>
-                      </a:r>
-                      <a:r>
-                        <a:rPr lang="en-US" sz="1000" dirty="0">
-                          <a:effectLst/>
-                        </a:rPr>
-                        <a:t>: Seminar work</a:t>
-                      </a:r>
+                      <a:pPr marL="0" marR="0" lvl="0" indent="0" algn="l" defTabSz="457200" rtl="0" eaLnBrk="1" fontAlgn="auto" latinLnBrk="0" hangingPunct="1">
+                        <a:lnSpc>
+                          <a:spcPct val="100000"/>
+                        </a:lnSpc>
+                        <a:spcBef>
+                          <a:spcPts val="0"/>
+                        </a:spcBef>
+                        <a:spcAft>
+                          <a:spcPts val="0"/>
+                        </a:spcAft>
+                        <a:buClrTx/>
+                        <a:buSzTx/>
+                        <a:buFontTx/>
+                        <a:buNone/>
+                        <a:tabLst/>
+                        <a:defRPr/>
+                      </a:pPr>
+                      <a:r>
+                        <a:rPr kumimoji="0" lang="en-US" sz="1000" b="0" i="0" u="none" strike="noStrike" kern="1200" cap="none" spc="0" normalizeH="0" baseline="0" noProof="0">
+                          <a:ln>
+                            <a:noFill/>
+                          </a:ln>
+                          <a:solidFill>
+                            <a:prstClr val="black"/>
+                          </a:solidFill>
+                          <a:effectLst/>
+                          <a:uLnTx/>
+                          <a:uFillTx/>
+                          <a:latin typeface="Calibri" panose="020F0502020204030204"/>
+                          <a:ea typeface="+mn-ea"/>
+                          <a:cs typeface="+mn-cs"/>
+                        </a:rPr>
+                        <a:t>Lab worksheet exercises</a:t>
+                      </a:r>
+                      <a:endParaRPr kumimoji="0" lang="en-US" sz="1000" b="0" i="0" u="none" strike="noStrike" kern="1200" cap="none" spc="0" normalizeH="0" baseline="0" noProof="0" dirty="0">
+                        <a:ln>
+                          <a:noFill/>
+                        </a:ln>
+                        <a:solidFill>
+                          <a:prstClr val="black"/>
+                        </a:solidFill>
+                        <a:effectLst/>
+                        <a:uLnTx/>
+                        <a:uFillTx/>
+                        <a:latin typeface="Calibri" panose="020F0502020204030204"/>
+                        <a:ea typeface="+mn-ea"/>
+                        <a:cs typeface="+mn-cs"/>
+                      </a:endParaRPr>
                     </a:p>
                   </a:txBody>
                   <a:tcPr anchor="ctr"/>
@@ -7537,32 +7639,54 @@
                     <a:bodyPr/>
                     <a:lstStyle/>
                     <a:p>
-                      <a:r>
-                        <a:rPr lang="en-US" sz="1000" b="1" dirty="0">
-                          <a:effectLst/>
-                        </a:rPr>
-                        <a:t>P</a:t>
-                      </a:r>
-                      <a:r>
-                        <a:rPr lang="en-US" sz="1000" dirty="0">
-                          <a:effectLst/>
-                        </a:rPr>
-                        <a:t>: R notebook</a:t>
-                      </a:r>
-                    </a:p>
-                    <a:p>
-                      <a:r>
-                        <a:rPr lang="en-US" sz="1000" b="1" dirty="0">
-                          <a:effectLst/>
-                        </a:rPr>
-                        <a:t>T</a:t>
-                      </a:r>
-                      <a:r>
-                        <a:rPr lang="en-US" sz="1000" dirty="0">
-                          <a:effectLst/>
-                        </a:rPr>
-                        <a:t>: Seminar work</a:t>
-                      </a:r>
+                      <a:pPr marL="0" marR="0" lvl="0" indent="0" algn="l" defTabSz="457200" rtl="0" eaLnBrk="1" fontAlgn="auto" latinLnBrk="0" hangingPunct="1">
+                        <a:lnSpc>
+                          <a:spcPct val="100000"/>
+                        </a:lnSpc>
+                        <a:spcBef>
+                          <a:spcPts val="0"/>
+                        </a:spcBef>
+                        <a:spcAft>
+                          <a:spcPts val="0"/>
+                        </a:spcAft>
+                        <a:buClrTx/>
+                        <a:buSzTx/>
+                        <a:buFontTx/>
+                        <a:buNone/>
+                        <a:tabLst/>
+                        <a:defRPr/>
+                      </a:pPr>
+                      <a:r>
+                        <a:rPr kumimoji="0" lang="en-US" sz="1000" b="0" i="0" u="none" strike="noStrike" kern="1200" cap="none" spc="0" normalizeH="0" baseline="0" noProof="0">
+                          <a:ln>
+                            <a:noFill/>
+                          </a:ln>
+                          <a:solidFill>
+                            <a:prstClr val="black"/>
+                          </a:solidFill>
+                          <a:effectLst/>
+                          <a:uLnTx/>
+                          <a:uFillTx/>
+                          <a:latin typeface="Calibri" panose="020F0502020204030204"/>
+                          <a:ea typeface="+mn-ea"/>
+                          <a:cs typeface="+mn-cs"/>
+                        </a:rPr>
+                        <a:t>Lab worksheet exercises</a:t>
+                      </a:r>
+                      <a:endParaRPr kumimoji="0" lang="en-US" sz="1000" b="0" i="0" u="none" strike="noStrike" kern="1200" cap="none" spc="0" normalizeH="0" baseline="0" noProof="0" dirty="0">
+                        <a:ln>
+                          <a:noFill/>
+                        </a:ln>
+                        <a:solidFill>
+                          <a:prstClr val="black"/>
+                        </a:solidFill>
+                        <a:effectLst/>
+                        <a:uLnTx/>
+                        <a:uFillTx/>
+                        <a:latin typeface="Calibri" panose="020F0502020204030204"/>
+                        <a:ea typeface="+mn-ea"/>
+                        <a:cs typeface="+mn-cs"/>
+                      </a:endParaRPr>
                     </a:p>
                   </a:txBody>
                   <a:tcPr anchor="ctr"/>
@@ -7572,32 +7696,54 @@
                     <a:bodyPr/>
                     <a:lstStyle/>
                     <a:p>
-                      <a:r>
-                        <a:rPr lang="en-US" sz="1000" b="1" dirty="0">
-                          <a:effectLst/>
-                        </a:rPr>
-                        <a:t>P</a:t>
-                      </a:r>
-                      <a:r>
-                        <a:rPr lang="en-US" sz="1000" dirty="0">
-                          <a:effectLst/>
-                        </a:rPr>
-                        <a:t>: R notebook</a:t>
-                      </a:r>
-                    </a:p>
-                    <a:p>
-                      <a:r>
-                        <a:rPr lang="en-US" sz="1000" b="1" dirty="0">
-                          <a:effectLst/>
-                        </a:rPr>
-                        <a:t>T</a:t>
-                      </a:r>
-                      <a:r>
-                        <a:rPr lang="en-US" sz="1000" dirty="0">
-                          <a:effectLst/>
-                        </a:rPr>
-                        <a:t>: Seminar work</a:t>
-                      </a:r>
+                      <a:pPr marL="0" marR="0" lvl="0" indent="0" algn="l" defTabSz="457200" rtl="0" eaLnBrk="1" fontAlgn="auto" latinLnBrk="0" hangingPunct="1">
+                        <a:lnSpc>
+                          <a:spcPct val="100000"/>
+                        </a:lnSpc>
+                        <a:spcBef>
+                          <a:spcPts val="0"/>
+                        </a:spcBef>
+                        <a:spcAft>
+                          <a:spcPts val="0"/>
+                        </a:spcAft>
+                        <a:buClrTx/>
+                        <a:buSzTx/>
+                        <a:buFontTx/>
+                        <a:buNone/>
+                        <a:tabLst/>
+                        <a:defRPr/>
+                      </a:pPr>
+                      <a:r>
+                        <a:rPr kumimoji="0" lang="en-US" sz="1000" b="0" i="0" u="none" strike="noStrike" kern="1200" cap="none" spc="0" normalizeH="0" baseline="0" noProof="0">
+                          <a:ln>
+                            <a:noFill/>
+                          </a:ln>
+                          <a:solidFill>
+                            <a:prstClr val="black"/>
+                          </a:solidFill>
+                          <a:effectLst/>
+                          <a:uLnTx/>
+                          <a:uFillTx/>
+                          <a:latin typeface="Calibri" panose="020F0502020204030204"/>
+                          <a:ea typeface="+mn-ea"/>
+                          <a:cs typeface="+mn-cs"/>
+                        </a:rPr>
+                        <a:t>Lab worksheet exercises</a:t>
+                      </a:r>
+                      <a:endParaRPr kumimoji="0" lang="en-US" sz="1000" b="0" i="0" u="none" strike="noStrike" kern="1200" cap="none" spc="0" normalizeH="0" baseline="0" noProof="0" dirty="0">
+                        <a:ln>
+                          <a:noFill/>
+                        </a:ln>
+                        <a:solidFill>
+                          <a:prstClr val="black"/>
+                        </a:solidFill>
+                        <a:effectLst/>
+                        <a:uLnTx/>
+                        <a:uFillTx/>
+                        <a:latin typeface="Calibri" panose="020F0502020204030204"/>
+                        <a:ea typeface="+mn-ea"/>
+                        <a:cs typeface="+mn-cs"/>
+                      </a:endParaRPr>
                     </a:p>
                   </a:txBody>
                   <a:tcPr anchor="ctr"/>
@@ -7607,31 +7753,39 @@
                     <a:bodyPr/>
                     <a:lstStyle/>
                     <a:p>
-                      <a:r>
-                        <a:rPr lang="en-US" sz="1000" b="1" dirty="0">
-                          <a:effectLst/>
-                        </a:rPr>
-                        <a:t>P</a:t>
-                      </a:r>
-                      <a:r>
-                        <a:rPr lang="en-US" sz="1000" dirty="0">
-                          <a:effectLst/>
-                        </a:rPr>
-                        <a:t>: R notebook</a:t>
-                      </a:r>
-                    </a:p>
-                    <a:p>
-                      <a:r>
-                        <a:rPr lang="en-US" sz="1000" b="1" dirty="0">
-                          <a:effectLst/>
-                        </a:rPr>
-                        <a:t>T</a:t>
-                      </a:r>
-                      <a:r>
-                        <a:rPr lang="en-US" sz="1000" dirty="0">
-                          <a:effectLst/>
-                        </a:rPr>
-                        <a:t>: Seminar work</a:t>
+                      <a:pPr marL="0" marR="0" lvl="0" indent="0" algn="l" defTabSz="457200" rtl="0" eaLnBrk="1" fontAlgn="auto" latinLnBrk="0" hangingPunct="1">
+                        <a:lnSpc>
+                          <a:spcPct val="100000"/>
+                        </a:lnSpc>
+                        <a:spcBef>
+                          <a:spcPts val="0"/>
+                        </a:spcBef>
+                        <a:spcAft>
+                          <a:spcPts val="0"/>
+                        </a:spcAft>
+                        <a:buClrTx/>
+                        <a:buSzTx/>
+                        <a:buFontTx/>
+                        <a:buNone/>
+                        <a:tabLst/>
+                        <a:defRPr/>
+                      </a:pPr>
+                      <a:r>
+                        <a:rPr kumimoji="0" lang="en-US" sz="1000" b="0" i="0" u="none" strike="noStrike" kern="1200" cap="none" spc="0" normalizeH="0" baseline="0" noProof="0" dirty="0">
+                          <a:ln>
+                            <a:noFill/>
+                          </a:ln>
+                          <a:solidFill>
+                            <a:prstClr val="black"/>
+                          </a:solidFill>
+                          <a:effectLst/>
+                          <a:uLnTx/>
+                          <a:uFillTx/>
+                          <a:latin typeface="Calibri" panose="020F0502020204030204"/>
+                          <a:ea typeface="+mn-ea"/>
+                          <a:cs typeface="+mn-cs"/>
+                        </a:rPr>
+                        <a:t>Lab worksheet exercises</a:t>
                       </a:r>
                     </a:p>
                   </a:txBody>
@@ -7657,13 +7811,7 @@
                         <a:rPr lang="en-US" sz="1000" dirty="0">
                           <a:effectLst/>
                         </a:rPr>
-                        <a:t>Due</a:t>
-                      </a:r>
-                      <a:r>
-                        <a:rPr lang="en-US" sz="1000">
-                          <a:effectLst/>
-                        </a:rPr>
-                        <a:t>: 24 April</a:t>
+                        <a:t>Due: 24 April</a:t>
                       </a:r>
                       <a:br>
                         <a:rPr lang="en-US" sz="1000" dirty="0">
@@ -7719,12 +7867,12 @@
           <a:lstStyle/>
           <a:p>
             <a:r>
-              <a:rPr lang="en-US" i="1"/>
+              <a:rPr lang="en-US" i="1" dirty="0"/>
               <a:t>HSS8005 </a:t>
             </a:r>
             <a:r>
-              <a:rPr lang="en-US"/>
-              <a:t> Intro Stream Road Map 2024</a:t>
+              <a:rPr lang="en-US" dirty="0"/>
+              <a:t> Intermediate Stream Road Map 2024</a:t>
             </a:r>
           </a:p>
         </p:txBody>
